--- a/D32019Winter.pptx
+++ b/D32019Winter.pptx
@@ -5,22 +5,24 @@
     <p:sldMasterId id="2147483648" r:id="rId1"/>
   </p:sldMasterIdLst>
   <p:notesMasterIdLst>
-    <p:notesMasterId r:id="rId15"/>
+    <p:notesMasterId r:id="rId17"/>
   </p:notesMasterIdLst>
   <p:sldIdLst>
     <p:sldId id="256" r:id="rId2"/>
     <p:sldId id="257" r:id="rId3"/>
-    <p:sldId id="258" r:id="rId4"/>
-    <p:sldId id="259" r:id="rId5"/>
-    <p:sldId id="261" r:id="rId6"/>
-    <p:sldId id="262" r:id="rId7"/>
-    <p:sldId id="260" r:id="rId8"/>
-    <p:sldId id="263" r:id="rId9"/>
-    <p:sldId id="264" r:id="rId10"/>
-    <p:sldId id="265" r:id="rId11"/>
-    <p:sldId id="266" r:id="rId12"/>
-    <p:sldId id="267" r:id="rId13"/>
-    <p:sldId id="268" r:id="rId14"/>
+    <p:sldId id="269" r:id="rId4"/>
+    <p:sldId id="270" r:id="rId5"/>
+    <p:sldId id="258" r:id="rId6"/>
+    <p:sldId id="259" r:id="rId7"/>
+    <p:sldId id="261" r:id="rId8"/>
+    <p:sldId id="262" r:id="rId9"/>
+    <p:sldId id="260" r:id="rId10"/>
+    <p:sldId id="263" r:id="rId11"/>
+    <p:sldId id="264" r:id="rId12"/>
+    <p:sldId id="265" r:id="rId13"/>
+    <p:sldId id="266" r:id="rId14"/>
+    <p:sldId id="267" r:id="rId15"/>
+    <p:sldId id="268" r:id="rId16"/>
   </p:sldIdLst>
   <p:sldSz cx="12192000" cy="6858000"/>
   <p:notesSz cx="6858000" cy="9144000"/>
@@ -119,6 +121,11 @@
       </a:defRPr>
     </a:lvl9pPr>
   </p:defaultTextStyle>
+  <p:extLst>
+    <p:ext uri="{EFAFB233-063F-42B5-8137-9DF3F51BA10A}">
+      <p15:sldGuideLst xmlns:p15="http://schemas.microsoft.com/office/powerpoint/2012/main"/>
+    </p:ext>
+  </p:extLst>
 </p:presentation>
 </file>
 
@@ -592,7 +599,7 @@
           <a:p>
             <a:fld id="{991ECA0F-3F27-5741-98B8-1D5E897EA21A}" type="slidenum">
               <a:rPr lang="en-US" smtClean="0"/>
-              <a:t>7</a:t>
+              <a:t>9</a:t>
             </a:fld>
             <a:endParaRPr lang="en-US"/>
           </a:p>
@@ -704,7 +711,7 @@
           <a:p>
             <a:fld id="{991ECA0F-3F27-5741-98B8-1D5E897EA21A}" type="slidenum">
               <a:rPr lang="en-US" smtClean="0"/>
-              <a:t>8</a:t>
+              <a:t>10</a:t>
             </a:fld>
             <a:endParaRPr lang="en-US"/>
           </a:p>
@@ -882,7 +889,7 @@
           <a:p>
             <a:fld id="{991ECA0F-3F27-5741-98B8-1D5E897EA21A}" type="slidenum">
               <a:rPr lang="en-US" smtClean="0"/>
-              <a:t>9</a:t>
+              <a:t>11</a:t>
             </a:fld>
             <a:endParaRPr lang="en-US"/>
           </a:p>
@@ -1032,7 +1039,7 @@
           <a:p>
             <a:fld id="{991ECA0F-3F27-5741-98B8-1D5E897EA21A}" type="slidenum">
               <a:rPr lang="en-US" smtClean="0"/>
-              <a:t>10</a:t>
+              <a:t>12</a:t>
             </a:fld>
             <a:endParaRPr lang="en-US"/>
           </a:p>
@@ -1119,7 +1126,7 @@
           <a:p>
             <a:fld id="{991ECA0F-3F27-5741-98B8-1D5E897EA21A}" type="slidenum">
               <a:rPr lang="en-US" smtClean="0"/>
-              <a:t>12</a:t>
+              <a:t>14</a:t>
             </a:fld>
             <a:endParaRPr lang="en-US"/>
           </a:p>
@@ -1235,7 +1242,7 @@
           <a:p>
             <a:fld id="{991ECA0F-3F27-5741-98B8-1D5E897EA21A}" type="slidenum">
               <a:rPr lang="en-US" smtClean="0"/>
-              <a:t>13</a:t>
+              <a:t>15</a:t>
             </a:fld>
             <a:endParaRPr lang="en-US"/>
           </a:p>
@@ -4489,7 +4496,10 @@
           <a:bodyPr/>
           <a:lstStyle/>
           <a:p>
-            <a:endParaRPr lang="en-US"/>
+            <a:r>
+              <a:rPr lang="en-US" dirty="0"/>
+              <a:t>Intro to D3</a:t>
+            </a:r>
           </a:p>
         </p:txBody>
       </p:sp>
@@ -4514,7 +4524,19 @@
           <a:bodyPr/>
           <a:lstStyle/>
           <a:p>
-            <a:endParaRPr lang="en-US"/>
+            <a:r>
+              <a:rPr lang="en-US" dirty="0"/>
+              <a:t>Kazutaka Takahashi </a:t>
+            </a:r>
+          </a:p>
+          <a:p>
+            <a:r>
+              <a:rPr lang="en-US" dirty="0"/>
+              <a:t>RCC </a:t>
+            </a:r>
+          </a:p>
+          <a:p>
+            <a:endParaRPr lang="en-US" dirty="0"/>
           </a:p>
         </p:txBody>
       </p:sp>
@@ -4532,6 +4554,246 @@
 </file>
 
 <file path=ppt/slides/slide10.xml><?xml version="1.0" encoding="utf-8"?>
+<p:sld xmlns:a="http://schemas.openxmlformats.org/drawingml/2006/main" xmlns:r="http://schemas.openxmlformats.org/officeDocument/2006/relationships" xmlns:p="http://schemas.openxmlformats.org/presentationml/2006/main">
+  <p:cSld>
+    <p:spTree>
+      <p:nvGrpSpPr>
+        <p:cNvPr id="1" name=""/>
+        <p:cNvGrpSpPr/>
+        <p:nvPr/>
+      </p:nvGrpSpPr>
+      <p:grpSpPr>
+        <a:xfrm>
+          <a:off x="0" y="0"/>
+          <a:ext cx="0" cy="0"/>
+          <a:chOff x="0" y="0"/>
+          <a:chExt cx="0" cy="0"/>
+        </a:xfrm>
+      </p:grpSpPr>
+      <p:sp>
+        <p:nvSpPr>
+          <p:cNvPr id="2" name="Title 1">
+            <a:extLst>
+              <a:ext uri="{FF2B5EF4-FFF2-40B4-BE49-F238E27FC236}">
+                <a16:creationId xmlns:a16="http://schemas.microsoft.com/office/drawing/2014/main" id="{DFE24F84-66A6-9841-AF2C-2993265A33B3}"/>
+              </a:ext>
+            </a:extLst>
+          </p:cNvPr>
+          <p:cNvSpPr>
+            <a:spLocks noGrp="1"/>
+          </p:cNvSpPr>
+          <p:nvPr>
+            <p:ph type="title"/>
+          </p:nvPr>
+        </p:nvSpPr>
+        <p:spPr/>
+        <p:txBody>
+          <a:bodyPr/>
+          <a:lstStyle/>
+          <a:p>
+            <a:endParaRPr lang="en-US"/>
+          </a:p>
+        </p:txBody>
+      </p:sp>
+      <p:pic>
+        <p:nvPicPr>
+          <p:cNvPr id="5" name="Content Placeholder 4">
+            <a:extLst>
+              <a:ext uri="{FF2B5EF4-FFF2-40B4-BE49-F238E27FC236}">
+                <a16:creationId xmlns:a16="http://schemas.microsoft.com/office/drawing/2014/main" id="{B4967302-2D88-0D41-BAF4-ADB35A88E348}"/>
+              </a:ext>
+            </a:extLst>
+          </p:cNvPr>
+          <p:cNvPicPr>
+            <a:picLocks noGrp="1" noChangeAspect="1"/>
+          </p:cNvPicPr>
+          <p:nvPr>
+            <p:ph idx="1"/>
+          </p:nvPr>
+        </p:nvPicPr>
+        <p:blipFill>
+          <a:blip r:embed="rId3"/>
+          <a:stretch>
+            <a:fillRect/>
+          </a:stretch>
+        </p:blipFill>
+        <p:spPr>
+          <a:xfrm>
+            <a:off x="752512" y="1095193"/>
+            <a:ext cx="10686976" cy="5397682"/>
+          </a:xfrm>
+        </p:spPr>
+      </p:pic>
+    </p:spTree>
+    <p:extLst>
+      <p:ext uri="{BB962C8B-B14F-4D97-AF65-F5344CB8AC3E}">
+        <p14:creationId xmlns:p14="http://schemas.microsoft.com/office/powerpoint/2010/main" val="1871174948"/>
+      </p:ext>
+    </p:extLst>
+  </p:cSld>
+  <p:clrMapOvr>
+    <a:masterClrMapping/>
+  </p:clrMapOvr>
+</p:sld>
+</file>
+
+<file path=ppt/slides/slide11.xml><?xml version="1.0" encoding="utf-8"?>
+<p:sld xmlns:a="http://schemas.openxmlformats.org/drawingml/2006/main" xmlns:r="http://schemas.openxmlformats.org/officeDocument/2006/relationships" xmlns:p="http://schemas.openxmlformats.org/presentationml/2006/main">
+  <p:cSld>
+    <p:spTree>
+      <p:nvGrpSpPr>
+        <p:cNvPr id="1" name=""/>
+        <p:cNvGrpSpPr/>
+        <p:nvPr/>
+      </p:nvGrpSpPr>
+      <p:grpSpPr>
+        <a:xfrm>
+          <a:off x="0" y="0"/>
+          <a:ext cx="0" cy="0"/>
+          <a:chOff x="0" y="0"/>
+          <a:chExt cx="0" cy="0"/>
+        </a:xfrm>
+      </p:grpSpPr>
+      <p:sp>
+        <p:nvSpPr>
+          <p:cNvPr id="2" name="Title 1">
+            <a:extLst>
+              <a:ext uri="{FF2B5EF4-FFF2-40B4-BE49-F238E27FC236}">
+                <a16:creationId xmlns:a16="http://schemas.microsoft.com/office/drawing/2014/main" id="{7BEF3C88-98EB-5A48-B28D-BBFC9192A4F4}"/>
+              </a:ext>
+            </a:extLst>
+          </p:cNvPr>
+          <p:cNvSpPr>
+            <a:spLocks noGrp="1"/>
+          </p:cNvSpPr>
+          <p:nvPr>
+            <p:ph type="title"/>
+          </p:nvPr>
+        </p:nvSpPr>
+        <p:spPr>
+          <a:xfrm>
+            <a:off x="838200" y="0"/>
+            <a:ext cx="10515600" cy="1325563"/>
+          </a:xfrm>
+        </p:spPr>
+        <p:txBody>
+          <a:bodyPr/>
+          <a:lstStyle/>
+          <a:p>
+            <a:r>
+              <a:rPr lang="en-US" b="1" dirty="0"/>
+              <a:t>Transforming SVG Elements Together</a:t>
+            </a:r>
+            <a:endParaRPr lang="en-US" dirty="0"/>
+          </a:p>
+        </p:txBody>
+      </p:sp>
+      <p:sp>
+        <p:nvSpPr>
+          <p:cNvPr id="3" name="Content Placeholder 2">
+            <a:extLst>
+              <a:ext uri="{FF2B5EF4-FFF2-40B4-BE49-F238E27FC236}">
+                <a16:creationId xmlns:a16="http://schemas.microsoft.com/office/drawing/2014/main" id="{FE7D83D5-88A7-4F45-90F9-56DDFAC796F8}"/>
+              </a:ext>
+            </a:extLst>
+          </p:cNvPr>
+          <p:cNvSpPr>
+            <a:spLocks noGrp="1"/>
+          </p:cNvSpPr>
+          <p:nvPr>
+            <p:ph idx="1"/>
+          </p:nvPr>
+        </p:nvSpPr>
+        <p:spPr>
+          <a:xfrm>
+            <a:off x="838200" y="1091107"/>
+            <a:ext cx="10515600" cy="4351338"/>
+          </a:xfrm>
+        </p:spPr>
+        <p:txBody>
+          <a:bodyPr/>
+          <a:lstStyle/>
+          <a:p>
+            <a:r>
+              <a:rPr lang="en-US" b="1" dirty="0"/>
+              <a:t>What if</a:t>
+            </a:r>
+            <a:r>
+              <a:rPr lang="en-US" dirty="0"/>
+              <a:t> we decided we wanted to move the circle elements </a:t>
+            </a:r>
+            <a:r>
+              <a:rPr lang="en-US" b="1" i="1" dirty="0"/>
+              <a:t>80</a:t>
+            </a:r>
+            <a:r>
+              <a:rPr lang="en-US" dirty="0"/>
+              <a:t> units to the right?</a:t>
+            </a:r>
+          </a:p>
+          <a:p>
+            <a:r>
+              <a:rPr lang="en-US" dirty="0"/>
+              <a:t>We could add 80 units to the </a:t>
+            </a:r>
+            <a:r>
+              <a:rPr lang="en-US" b="1" dirty="0"/>
+              <a:t>cx</a:t>
+            </a:r>
+            <a:r>
+              <a:rPr lang="en-US" dirty="0"/>
+              <a:t> attribute of each of our circles:</a:t>
+            </a:r>
+          </a:p>
+          <a:p>
+            <a:endParaRPr lang="en-US" dirty="0"/>
+          </a:p>
+        </p:txBody>
+      </p:sp>
+      <p:pic>
+        <p:nvPicPr>
+          <p:cNvPr id="5" name="Picture 4">
+            <a:extLst>
+              <a:ext uri="{FF2B5EF4-FFF2-40B4-BE49-F238E27FC236}">
+                <a16:creationId xmlns:a16="http://schemas.microsoft.com/office/drawing/2014/main" id="{5E77D876-BC99-B944-B9EC-AEE422CFDC71}"/>
+              </a:ext>
+            </a:extLst>
+          </p:cNvPr>
+          <p:cNvPicPr>
+            <a:picLocks noChangeAspect="1"/>
+          </p:cNvPicPr>
+          <p:nvPr/>
+        </p:nvPicPr>
+        <p:blipFill>
+          <a:blip r:embed="rId3"/>
+          <a:stretch>
+            <a:fillRect/>
+          </a:stretch>
+        </p:blipFill>
+        <p:spPr>
+          <a:xfrm>
+            <a:off x="0" y="2416670"/>
+            <a:ext cx="12192000" cy="4644520"/>
+          </a:xfrm>
+          <a:prstGeom prst="rect">
+            <a:avLst/>
+          </a:prstGeom>
+        </p:spPr>
+      </p:pic>
+    </p:spTree>
+    <p:extLst>
+      <p:ext uri="{BB962C8B-B14F-4D97-AF65-F5344CB8AC3E}">
+        <p14:creationId xmlns:p14="http://schemas.microsoft.com/office/powerpoint/2010/main" val="1660999320"/>
+      </p:ext>
+    </p:extLst>
+  </p:cSld>
+  <p:clrMapOvr>
+    <a:masterClrMapping/>
+  </p:clrMapOvr>
+</p:sld>
+</file>
+
+<file path=ppt/slides/slide12.xml><?xml version="1.0" encoding="utf-8"?>
 <p:sld xmlns:a="http://schemas.openxmlformats.org/drawingml/2006/main" xmlns:r="http://schemas.openxmlformats.org/officeDocument/2006/relationships" xmlns:p="http://schemas.openxmlformats.org/presentationml/2006/main">
   <p:cSld>
     <p:spTree>
@@ -4654,7 +4916,7 @@
 </p:sld>
 </file>
 
-<file path=ppt/slides/slide11.xml><?xml version="1.0" encoding="utf-8"?>
+<file path=ppt/slides/slide13.xml><?xml version="1.0" encoding="utf-8"?>
 <p:sld xmlns:a="http://schemas.openxmlformats.org/drawingml/2006/main" xmlns:r="http://schemas.openxmlformats.org/officeDocument/2006/relationships" xmlns:p="http://schemas.openxmlformats.org/presentationml/2006/main">
   <p:cSld>
     <p:spTree>
@@ -4772,7 +5034,7 @@
 </p:sld>
 </file>
 
-<file path=ppt/slides/slide12.xml><?xml version="1.0" encoding="utf-8"?>
+<file path=ppt/slides/slide14.xml><?xml version="1.0" encoding="utf-8"?>
 <p:sld xmlns:a="http://schemas.openxmlformats.org/drawingml/2006/main" xmlns:r="http://schemas.openxmlformats.org/officeDocument/2006/relationships" xmlns:p="http://schemas.openxmlformats.org/presentationml/2006/main">
   <p:cSld>
     <p:spTree>
@@ -5033,7 +5295,7 @@
 </p:sld>
 </file>
 
-<file path=ppt/slides/slide13.xml><?xml version="1.0" encoding="utf-8"?>
+<file path=ppt/slides/slide15.xml><?xml version="1.0" encoding="utf-8"?>
 <p:sld xmlns:a="http://schemas.openxmlformats.org/drawingml/2006/main" xmlns:r="http://schemas.openxmlformats.org/officeDocument/2006/relationships" xmlns:p="http://schemas.openxmlformats.org/presentationml/2006/main">
   <p:cSld>
     <p:spTree>
@@ -5527,7 +5789,7 @@
           <p:cNvPr id="2" name="Title 1">
             <a:extLst>
               <a:ext uri="{FF2B5EF4-FFF2-40B4-BE49-F238E27FC236}">
-                <a16:creationId xmlns:a16="http://schemas.microsoft.com/office/drawing/2014/main" id="{5F1F8157-BAF8-954E-B47B-D694A8BB76FC}"/>
+                <a16:creationId xmlns:a16="http://schemas.microsoft.com/office/drawing/2014/main" id="{9A525616-A397-154D-9FCC-EF6F0E7DF80B}"/>
               </a:ext>
             </a:extLst>
           </p:cNvPr>
@@ -5545,7 +5807,7 @@
           <a:p>
             <a:r>
               <a:rPr lang="en-US" dirty="0"/>
-              <a:t>What is DOM?</a:t>
+              <a:t>Examples</a:t>
             </a:r>
           </a:p>
         </p:txBody>
@@ -5555,7 +5817,7 @@
           <p:cNvPr id="3" name="Content Placeholder 2">
             <a:extLst>
               <a:ext uri="{FF2B5EF4-FFF2-40B4-BE49-F238E27FC236}">
-                <a16:creationId xmlns:a16="http://schemas.microsoft.com/office/drawing/2014/main" id="{E286D313-6768-9C4D-BEEE-19F52C9E5EC7}"/>
+                <a16:creationId xmlns:a16="http://schemas.microsoft.com/office/drawing/2014/main" id="{B13E3551-DEFC-D540-8BA3-B9D17C705053}"/>
               </a:ext>
             </a:extLst>
           </p:cNvPr>
@@ -5572,46 +5834,31 @@
           <a:lstStyle/>
           <a:p>
             <a:r>
-              <a:rPr lang="en-US" dirty="0"/>
-              <a:t>The Document Object Model (DOM) is an application programming interface (</a:t>
-            </a:r>
-            <a:r>
-              <a:rPr lang="en-US" i="1" dirty="0">
+              <a:rPr lang="en-US" dirty="0">
                 <a:hlinkClick r:id="rId2"/>
               </a:rPr>
-              <a:t>API</a:t>
-            </a:r>
-            <a:r>
-              <a:rPr lang="en-US" dirty="0"/>
-              <a:t>) for valid </a:t>
-            </a:r>
-            <a:r>
-              <a:rPr lang="en-US" i="1" dirty="0">
+              <a:t>Hawai’i topographic map example</a:t>
+            </a:r>
+            <a:endParaRPr lang="en-US" dirty="0"/>
+          </a:p>
+          <a:p>
+            <a:endParaRPr lang="en-US" dirty="0"/>
+          </a:p>
+          <a:p>
+            <a:r>
+              <a:rPr lang="en-US" dirty="0">
                 <a:hlinkClick r:id="rId3"/>
               </a:rPr>
-              <a:t>HTML</a:t>
-            </a:r>
-            <a:r>
-              <a:rPr lang="en-US" dirty="0"/>
-              <a:t> and well-formed </a:t>
-            </a:r>
-            <a:r>
-              <a:rPr lang="en-US" i="1" dirty="0">
-                <a:hlinkClick r:id="rId4"/>
-              </a:rPr>
-              <a:t>XML</a:t>
-            </a:r>
-            <a:r>
-              <a:rPr lang="en-US" dirty="0"/>
-              <a:t> documents. It defines the logical structure of documents and the way a document is accessed and manipulated. In the DOM specification, the term "document" is used in the broad sense - increasingly, XML is being used as a way of representing many different kinds of information that may be stored in diverse systems, and much of this would traditionally be seen as data rather than as documents. Nevertheless, XML presents this data as documents, and the DOM may be used to manage this data.</a:t>
-            </a:r>
+              <a:t>Zoomable US Map </a:t>
+            </a:r>
+            <a:endParaRPr lang="en-US" dirty="0"/>
           </a:p>
         </p:txBody>
       </p:sp>
     </p:spTree>
     <p:extLst>
       <p:ext uri="{BB962C8B-B14F-4D97-AF65-F5344CB8AC3E}">
-        <p14:creationId xmlns:p14="http://schemas.microsoft.com/office/powerpoint/2010/main" val="2064500945"/>
+        <p14:creationId xmlns:p14="http://schemas.microsoft.com/office/powerpoint/2010/main" val="3724380750"/>
       </p:ext>
     </p:extLst>
   </p:cSld>
@@ -5643,6 +5890,284 @@
           <p:cNvPr id="2" name="Title 1">
             <a:extLst>
               <a:ext uri="{FF2B5EF4-FFF2-40B4-BE49-F238E27FC236}">
+                <a16:creationId xmlns:a16="http://schemas.microsoft.com/office/drawing/2014/main" id="{1E134F04-9934-1E47-B22E-8F05BC8576BE}"/>
+              </a:ext>
+            </a:extLst>
+          </p:cNvPr>
+          <p:cNvSpPr>
+            <a:spLocks noGrp="1"/>
+          </p:cNvSpPr>
+          <p:nvPr>
+            <p:ph type="title"/>
+          </p:nvPr>
+        </p:nvSpPr>
+        <p:spPr/>
+        <p:txBody>
+          <a:bodyPr/>
+          <a:lstStyle/>
+          <a:p>
+            <a:r>
+              <a:rPr lang="en-US"/>
+              <a:t>Advanced Examples</a:t>
+            </a:r>
+          </a:p>
+        </p:txBody>
+      </p:sp>
+      <p:sp>
+        <p:nvSpPr>
+          <p:cNvPr id="3" name="Content Placeholder 2">
+            <a:extLst>
+              <a:ext uri="{FF2B5EF4-FFF2-40B4-BE49-F238E27FC236}">
+                <a16:creationId xmlns:a16="http://schemas.microsoft.com/office/drawing/2014/main" id="{B41D6A96-6205-3245-BC1F-65D8312551B9}"/>
+              </a:ext>
+            </a:extLst>
+          </p:cNvPr>
+          <p:cNvSpPr>
+            <a:spLocks noGrp="1"/>
+          </p:cNvSpPr>
+          <p:nvPr>
+            <p:ph idx="1"/>
+          </p:nvPr>
+        </p:nvSpPr>
+        <p:spPr/>
+        <p:txBody>
+          <a:bodyPr>
+            <a:normAutofit/>
+          </a:bodyPr>
+          <a:lstStyle/>
+          <a:p>
+            <a:r>
+              <a:rPr lang="en-US" dirty="0"/>
+              <a:t>1) </a:t>
+            </a:r>
+            <a:r>
+              <a:rPr lang="en-US" dirty="0">
+                <a:hlinkClick r:id="rId2"/>
+              </a:rPr>
+              <a:t>Basic Force-Directed Graph (Network Visualization) </a:t>
+            </a:r>
+            <a:endParaRPr lang="en-US" dirty="0"/>
+          </a:p>
+          <a:p>
+            <a:r>
+              <a:rPr lang="en-US" dirty="0"/>
+              <a:t>2) </a:t>
+            </a:r>
+            <a:r>
+              <a:rPr lang="en-US" dirty="0">
+                <a:hlinkClick r:id="rId3"/>
+              </a:rPr>
+              <a:t>Interactive Network Visualization : How-to (with lots of great explanations)</a:t>
+            </a:r>
+            <a:endParaRPr lang="en-US" dirty="0"/>
+          </a:p>
+          <a:p>
+            <a:r>
+              <a:rPr lang="en-US" dirty="0"/>
+              <a:t>3) </a:t>
+            </a:r>
+            <a:r>
+              <a:rPr lang="en-US" dirty="0">
+                <a:hlinkClick r:id="rId4"/>
+              </a:rPr>
+              <a:t>3D Network Visualization</a:t>
+            </a:r>
+            <a:endParaRPr lang="en-US" dirty="0"/>
+          </a:p>
+          <a:p>
+            <a:r>
+              <a:rPr lang="en-US" dirty="0"/>
+              <a:t>4) </a:t>
+            </a:r>
+            <a:r>
+              <a:rPr lang="en-US" dirty="0">
+                <a:hlinkClick r:id="rId5"/>
+              </a:rPr>
+              <a:t>Interactive Collapsible </a:t>
+            </a:r>
+            <a:r>
+              <a:rPr lang="en-US" dirty="0" err="1">
+                <a:hlinkClick r:id="rId5"/>
+              </a:rPr>
+              <a:t>Reingold</a:t>
+            </a:r>
+            <a:r>
+              <a:rPr lang="en-US" dirty="0">
+                <a:hlinkClick r:id="rId5"/>
+              </a:rPr>
+              <a:t>-Tilford Tree</a:t>
+            </a:r>
+            <a:endParaRPr lang="en-US" dirty="0"/>
+          </a:p>
+          <a:p>
+            <a:r>
+              <a:rPr lang="en-US" dirty="0"/>
+              <a:t>5) </a:t>
+            </a:r>
+            <a:r>
+              <a:rPr lang="en-US" dirty="0">
+                <a:hlinkClick r:id="rId6"/>
+              </a:rPr>
+              <a:t>Interactive Chord Diagram : “International Trade Flows”</a:t>
+            </a:r>
+            <a:endParaRPr lang="en-US" dirty="0"/>
+          </a:p>
+          <a:p>
+            <a:endParaRPr lang="en-US" dirty="0"/>
+          </a:p>
+        </p:txBody>
+      </p:sp>
+    </p:spTree>
+    <p:extLst>
+      <p:ext uri="{BB962C8B-B14F-4D97-AF65-F5344CB8AC3E}">
+        <p14:creationId xmlns:p14="http://schemas.microsoft.com/office/powerpoint/2010/main" val="1461524537"/>
+      </p:ext>
+    </p:extLst>
+  </p:cSld>
+  <p:clrMapOvr>
+    <a:masterClrMapping/>
+  </p:clrMapOvr>
+</p:sld>
+</file>
+
+<file path=ppt/slides/slide5.xml><?xml version="1.0" encoding="utf-8"?>
+<p:sld xmlns:a="http://schemas.openxmlformats.org/drawingml/2006/main" xmlns:r="http://schemas.openxmlformats.org/officeDocument/2006/relationships" xmlns:p="http://schemas.openxmlformats.org/presentationml/2006/main">
+  <p:cSld>
+    <p:spTree>
+      <p:nvGrpSpPr>
+        <p:cNvPr id="1" name=""/>
+        <p:cNvGrpSpPr/>
+        <p:nvPr/>
+      </p:nvGrpSpPr>
+      <p:grpSpPr>
+        <a:xfrm>
+          <a:off x="0" y="0"/>
+          <a:ext cx="0" cy="0"/>
+          <a:chOff x="0" y="0"/>
+          <a:chExt cx="0" cy="0"/>
+        </a:xfrm>
+      </p:grpSpPr>
+      <p:sp>
+        <p:nvSpPr>
+          <p:cNvPr id="2" name="Title 1">
+            <a:extLst>
+              <a:ext uri="{FF2B5EF4-FFF2-40B4-BE49-F238E27FC236}">
+                <a16:creationId xmlns:a16="http://schemas.microsoft.com/office/drawing/2014/main" id="{5F1F8157-BAF8-954E-B47B-D694A8BB76FC}"/>
+              </a:ext>
+            </a:extLst>
+          </p:cNvPr>
+          <p:cNvSpPr>
+            <a:spLocks noGrp="1"/>
+          </p:cNvSpPr>
+          <p:nvPr>
+            <p:ph type="title"/>
+          </p:nvPr>
+        </p:nvSpPr>
+        <p:spPr/>
+        <p:txBody>
+          <a:bodyPr/>
+          <a:lstStyle/>
+          <a:p>
+            <a:r>
+              <a:rPr lang="en-US" dirty="0"/>
+              <a:t>What is DOM?</a:t>
+            </a:r>
+          </a:p>
+        </p:txBody>
+      </p:sp>
+      <p:sp>
+        <p:nvSpPr>
+          <p:cNvPr id="3" name="Content Placeholder 2">
+            <a:extLst>
+              <a:ext uri="{FF2B5EF4-FFF2-40B4-BE49-F238E27FC236}">
+                <a16:creationId xmlns:a16="http://schemas.microsoft.com/office/drawing/2014/main" id="{E286D313-6768-9C4D-BEEE-19F52C9E5EC7}"/>
+              </a:ext>
+            </a:extLst>
+          </p:cNvPr>
+          <p:cNvSpPr>
+            <a:spLocks noGrp="1"/>
+          </p:cNvSpPr>
+          <p:nvPr>
+            <p:ph idx="1"/>
+          </p:nvPr>
+        </p:nvSpPr>
+        <p:spPr/>
+        <p:txBody>
+          <a:bodyPr/>
+          <a:lstStyle/>
+          <a:p>
+            <a:r>
+              <a:rPr lang="en-US" dirty="0"/>
+              <a:t>The Document Object Model (DOM) is an application programming interface (</a:t>
+            </a:r>
+            <a:r>
+              <a:rPr lang="en-US" i="1" dirty="0">
+                <a:hlinkClick r:id="rId2"/>
+              </a:rPr>
+              <a:t>API</a:t>
+            </a:r>
+            <a:r>
+              <a:rPr lang="en-US" dirty="0"/>
+              <a:t>) for valid </a:t>
+            </a:r>
+            <a:r>
+              <a:rPr lang="en-US" i="1" dirty="0">
+                <a:hlinkClick r:id="rId3"/>
+              </a:rPr>
+              <a:t>HTML</a:t>
+            </a:r>
+            <a:r>
+              <a:rPr lang="en-US" dirty="0"/>
+              <a:t> and well-formed </a:t>
+            </a:r>
+            <a:r>
+              <a:rPr lang="en-US" i="1" dirty="0">
+                <a:hlinkClick r:id="rId4"/>
+              </a:rPr>
+              <a:t>XML</a:t>
+            </a:r>
+            <a:r>
+              <a:rPr lang="en-US" dirty="0"/>
+              <a:t> documents. It defines the logical structure of documents and the way a document is accessed and manipulated. In the DOM specification, the term "document" is used in the broad sense - increasingly, XML is being used as a way of representing many different kinds of information that may be stored in diverse systems, and much of this would traditionally be seen as data rather than as documents. Nevertheless, XML presents this data as documents, and the DOM may be used to manage this data.</a:t>
+            </a:r>
+          </a:p>
+        </p:txBody>
+      </p:sp>
+    </p:spTree>
+    <p:extLst>
+      <p:ext uri="{BB962C8B-B14F-4D97-AF65-F5344CB8AC3E}">
+        <p14:creationId xmlns:p14="http://schemas.microsoft.com/office/powerpoint/2010/main" val="2064500945"/>
+      </p:ext>
+    </p:extLst>
+  </p:cSld>
+  <p:clrMapOvr>
+    <a:masterClrMapping/>
+  </p:clrMapOvr>
+</p:sld>
+</file>
+
+<file path=ppt/slides/slide6.xml><?xml version="1.0" encoding="utf-8"?>
+<p:sld xmlns:a="http://schemas.openxmlformats.org/drawingml/2006/main" xmlns:r="http://schemas.openxmlformats.org/officeDocument/2006/relationships" xmlns:p="http://schemas.openxmlformats.org/presentationml/2006/main">
+  <p:cSld>
+    <p:spTree>
+      <p:nvGrpSpPr>
+        <p:cNvPr id="1" name=""/>
+        <p:cNvGrpSpPr/>
+        <p:nvPr/>
+      </p:nvGrpSpPr>
+      <p:grpSpPr>
+        <a:xfrm>
+          <a:off x="0" y="0"/>
+          <a:ext cx="0" cy="0"/>
+          <a:chOff x="0" y="0"/>
+          <a:chExt cx="0" cy="0"/>
+        </a:xfrm>
+      </p:grpSpPr>
+      <p:sp>
+        <p:nvSpPr>
+          <p:cNvPr id="2" name="Title 1">
+            <a:extLst>
+              <a:ext uri="{FF2B5EF4-FFF2-40B4-BE49-F238E27FC236}">
                 <a16:creationId xmlns:a16="http://schemas.microsoft.com/office/drawing/2014/main" id="{80D366D5-6ECC-4349-B0DB-3A4E09609AAB}"/>
               </a:ext>
             </a:extLst>
@@ -5740,7 +6265,7 @@
 </p:sld>
 </file>
 
-<file path=ppt/slides/slide5.xml><?xml version="1.0" encoding="utf-8"?>
+<file path=ppt/slides/slide7.xml><?xml version="1.0" encoding="utf-8"?>
 <p:sld xmlns:a="http://schemas.openxmlformats.org/drawingml/2006/main" xmlns:r="http://schemas.openxmlformats.org/officeDocument/2006/relationships" xmlns:p="http://schemas.openxmlformats.org/presentationml/2006/main">
   <p:cSld>
     <p:spTree>
@@ -6097,266 +6622,6 @@
 </p:sld>
 </file>
 
-<file path=ppt/slides/slide6.xml><?xml version="1.0" encoding="utf-8"?>
-<p:sld xmlns:a="http://schemas.openxmlformats.org/drawingml/2006/main" xmlns:r="http://schemas.openxmlformats.org/officeDocument/2006/relationships" xmlns:p="http://schemas.openxmlformats.org/presentationml/2006/main">
-  <p:cSld>
-    <p:spTree>
-      <p:nvGrpSpPr>
-        <p:cNvPr id="1" name=""/>
-        <p:cNvGrpSpPr/>
-        <p:nvPr/>
-      </p:nvGrpSpPr>
-      <p:grpSpPr>
-        <a:xfrm>
-          <a:off x="0" y="0"/>
-          <a:ext cx="0" cy="0"/>
-          <a:chOff x="0" y="0"/>
-          <a:chExt cx="0" cy="0"/>
-        </a:xfrm>
-      </p:grpSpPr>
-      <p:sp>
-        <p:nvSpPr>
-          <p:cNvPr id="2" name="Title 1">
-            <a:extLst>
-              <a:ext uri="{FF2B5EF4-FFF2-40B4-BE49-F238E27FC236}">
-                <a16:creationId xmlns:a16="http://schemas.microsoft.com/office/drawing/2014/main" id="{00AFD9BD-BFAF-7743-8F05-6DF9881DFA29}"/>
-              </a:ext>
-            </a:extLst>
-          </p:cNvPr>
-          <p:cNvSpPr>
-            <a:spLocks noGrp="1"/>
-          </p:cNvSpPr>
-          <p:nvPr>
-            <p:ph type="title"/>
-          </p:nvPr>
-        </p:nvSpPr>
-        <p:spPr>
-          <a:xfrm>
-            <a:off x="838200" y="366247"/>
-            <a:ext cx="9426497" cy="1325563"/>
-          </a:xfrm>
-        </p:spPr>
-        <p:txBody>
-          <a:bodyPr>
-            <a:normAutofit fontScale="90000"/>
-          </a:bodyPr>
-          <a:lstStyle/>
-          <a:p>
-            <a:r>
-              <a:rPr lang="en-US" sz="4900" b="1" dirty="0"/>
-              <a:t>We will cover two major uses of </a:t>
-            </a:r>
-            <a:br>
-              <a:rPr lang="en-US" sz="4900" b="1" dirty="0"/>
-            </a:br>
-            <a:r>
-              <a:rPr lang="en-US" sz="4900" b="1" dirty="0"/>
-              <a:t>the SVG Group Element:</a:t>
-            </a:r>
-            <a:br>
-              <a:rPr lang="en-US" dirty="0"/>
-            </a:br>
-            <a:endParaRPr lang="en-US" dirty="0"/>
-          </a:p>
-        </p:txBody>
-      </p:sp>
-      <p:sp>
-        <p:nvSpPr>
-          <p:cNvPr id="3" name="Content Placeholder 2">
-            <a:extLst>
-              <a:ext uri="{FF2B5EF4-FFF2-40B4-BE49-F238E27FC236}">
-                <a16:creationId xmlns:a16="http://schemas.microsoft.com/office/drawing/2014/main" id="{C59BDD78-EECD-AC44-9C69-E449A27F59EB}"/>
-              </a:ext>
-            </a:extLst>
-          </p:cNvPr>
-          <p:cNvSpPr>
-            <a:spLocks noGrp="1"/>
-          </p:cNvSpPr>
-          <p:nvPr>
-            <p:ph idx="1"/>
-          </p:nvPr>
-        </p:nvSpPr>
-        <p:spPr/>
-        <p:txBody>
-          <a:bodyPr/>
-          <a:lstStyle/>
-          <a:p>
-            <a:r>
-              <a:rPr lang="en-US" b="1" dirty="0"/>
-              <a:t>Grouping</a:t>
-            </a:r>
-            <a:r>
-              <a:rPr lang="en-US" dirty="0"/>
-              <a:t> - To group a set of SVG elements that share the same attribute</a:t>
-            </a:r>
-          </a:p>
-          <a:p>
-            <a:endParaRPr lang="en-US" b="1" dirty="0"/>
-          </a:p>
-          <a:p>
-            <a:r>
-              <a:rPr lang="en-US" b="1" dirty="0"/>
-              <a:t>Transforming</a:t>
-            </a:r>
-            <a:r>
-              <a:rPr lang="en-US" dirty="0"/>
-              <a:t> - To define a new coordinate system for a set of SVG elements by applying a transformation to each coordinate specified in this set of SVG elements</a:t>
-            </a:r>
-            <a:br>
-              <a:rPr lang="en-US" dirty="0"/>
-            </a:br>
-            <a:endParaRPr lang="en-US" dirty="0"/>
-          </a:p>
-        </p:txBody>
-      </p:sp>
-    </p:spTree>
-    <p:extLst>
-      <p:ext uri="{BB962C8B-B14F-4D97-AF65-F5344CB8AC3E}">
-        <p14:creationId xmlns:p14="http://schemas.microsoft.com/office/powerpoint/2010/main" val="3323492330"/>
-      </p:ext>
-    </p:extLst>
-  </p:cSld>
-  <p:clrMapOvr>
-    <a:masterClrMapping/>
-  </p:clrMapOvr>
-</p:sld>
-</file>
-
-<file path=ppt/slides/slide7.xml><?xml version="1.0" encoding="utf-8"?>
-<p:sld xmlns:a="http://schemas.openxmlformats.org/drawingml/2006/main" xmlns:r="http://schemas.openxmlformats.org/officeDocument/2006/relationships" xmlns:p="http://schemas.openxmlformats.org/presentationml/2006/main">
-  <p:cSld>
-    <p:spTree>
-      <p:nvGrpSpPr>
-        <p:cNvPr id="1" name=""/>
-        <p:cNvGrpSpPr/>
-        <p:nvPr/>
-      </p:nvGrpSpPr>
-      <p:grpSpPr>
-        <a:xfrm>
-          <a:off x="0" y="0"/>
-          <a:ext cx="0" cy="0"/>
-          <a:chOff x="0" y="0"/>
-          <a:chExt cx="0" cy="0"/>
-        </a:xfrm>
-      </p:grpSpPr>
-      <p:sp>
-        <p:nvSpPr>
-          <p:cNvPr id="2" name="Title 1">
-            <a:extLst>
-              <a:ext uri="{FF2B5EF4-FFF2-40B4-BE49-F238E27FC236}">
-                <a16:creationId xmlns:a16="http://schemas.microsoft.com/office/drawing/2014/main" id="{CCEB676B-9BF3-4E46-8591-5948E0CC437A}"/>
-              </a:ext>
-            </a:extLst>
-          </p:cNvPr>
-          <p:cNvSpPr>
-            <a:spLocks noGrp="1"/>
-          </p:cNvSpPr>
-          <p:nvPr>
-            <p:ph type="title"/>
-          </p:nvPr>
-        </p:nvSpPr>
-        <p:spPr>
-          <a:xfrm>
-            <a:off x="838200" y="365125"/>
-            <a:ext cx="10515600" cy="2021236"/>
-          </a:xfrm>
-        </p:spPr>
-        <p:txBody>
-          <a:bodyPr>
-            <a:normAutofit fontScale="90000"/>
-          </a:bodyPr>
-          <a:lstStyle/>
-          <a:p>
-            <a:r>
-              <a:rPr lang="en-US" b="1" dirty="0"/>
-              <a:t>Grouping SVG Elements Together</a:t>
-            </a:r>
-            <a:br>
-              <a:rPr lang="en-US" b="1" dirty="0"/>
-            </a:br>
-            <a:r>
-              <a:rPr lang="en-US" dirty="0"/>
-              <a:t>We start with 4 SVG Basic Shape Elements (2 circles and 2 rectangles):</a:t>
-            </a:r>
-            <a:br>
-              <a:rPr lang="en-US" dirty="0"/>
-            </a:br>
-            <a:endParaRPr lang="en-US" dirty="0"/>
-          </a:p>
-        </p:txBody>
-      </p:sp>
-      <p:pic>
-        <p:nvPicPr>
-          <p:cNvPr id="6" name="Content Placeholder 5">
-            <a:extLst>
-              <a:ext uri="{FF2B5EF4-FFF2-40B4-BE49-F238E27FC236}">
-                <a16:creationId xmlns:a16="http://schemas.microsoft.com/office/drawing/2014/main" id="{5792290B-EAD4-3242-BB15-0A4636B73992}"/>
-              </a:ext>
-            </a:extLst>
-          </p:cNvPr>
-          <p:cNvPicPr>
-            <a:picLocks noGrp="1" noChangeAspect="1"/>
-          </p:cNvPicPr>
-          <p:nvPr>
-            <p:ph idx="1"/>
-          </p:nvPr>
-        </p:nvPicPr>
-        <p:blipFill>
-          <a:blip r:embed="rId3"/>
-          <a:stretch>
-            <a:fillRect/>
-          </a:stretch>
-        </p:blipFill>
-        <p:spPr>
-          <a:xfrm>
-            <a:off x="1166000" y="2415033"/>
-            <a:ext cx="9509981" cy="4113213"/>
-          </a:xfrm>
-        </p:spPr>
-      </p:pic>
-      <p:pic>
-        <p:nvPicPr>
-          <p:cNvPr id="8" name="Picture 7">
-            <a:extLst>
-              <a:ext uri="{FF2B5EF4-FFF2-40B4-BE49-F238E27FC236}">
-                <a16:creationId xmlns:a16="http://schemas.microsoft.com/office/drawing/2014/main" id="{78BC6EC0-4B7B-3641-B41B-18B1B5D6B198}"/>
-              </a:ext>
-            </a:extLst>
-          </p:cNvPr>
-          <p:cNvPicPr>
-            <a:picLocks noChangeAspect="1"/>
-          </p:cNvPicPr>
-          <p:nvPr/>
-        </p:nvPicPr>
-        <p:blipFill>
-          <a:blip r:embed="rId4"/>
-          <a:stretch>
-            <a:fillRect/>
-          </a:stretch>
-        </p:blipFill>
-        <p:spPr>
-          <a:xfrm>
-            <a:off x="1165999" y="1943492"/>
-            <a:ext cx="9509981" cy="2054972"/>
-          </a:xfrm>
-          <a:prstGeom prst="rect">
-            <a:avLst/>
-          </a:prstGeom>
-        </p:spPr>
-      </p:pic>
-    </p:spTree>
-    <p:extLst>
-      <p:ext uri="{BB962C8B-B14F-4D97-AF65-F5344CB8AC3E}">
-        <p14:creationId xmlns:p14="http://schemas.microsoft.com/office/powerpoint/2010/main" val="760112722"/>
-      </p:ext>
-    </p:extLst>
-  </p:cSld>
-  <p:clrMapOvr>
-    <a:masterClrMapping/>
-  </p:clrMapOvr>
-</p:sld>
-</file>
-
 <file path=ppt/slides/slide8.xml><?xml version="1.0" encoding="utf-8"?>
 <p:sld xmlns:a="http://schemas.openxmlformats.org/drawingml/2006/main" xmlns:r="http://schemas.openxmlformats.org/officeDocument/2006/relationships" xmlns:p="http://schemas.openxmlformats.org/presentationml/2006/main">
   <p:cSld>
@@ -6379,7 +6644,7 @@
           <p:cNvPr id="2" name="Title 1">
             <a:extLst>
               <a:ext uri="{FF2B5EF4-FFF2-40B4-BE49-F238E27FC236}">
-                <a16:creationId xmlns:a16="http://schemas.microsoft.com/office/drawing/2014/main" id="{DFE24F84-66A6-9841-AF2C-2993265A33B3}"/>
+                <a16:creationId xmlns:a16="http://schemas.microsoft.com/office/drawing/2014/main" id="{00AFD9BD-BFAF-7743-8F05-6DF9881DFA29}"/>
               </a:ext>
             </a:extLst>
           </p:cNvPr>
@@ -6390,48 +6655,89 @@
             <p:ph type="title"/>
           </p:nvPr>
         </p:nvSpPr>
-        <p:spPr/>
-        <p:txBody>
-          <a:bodyPr/>
-          <a:lstStyle/>
-          <a:p>
-            <a:endParaRPr lang="en-US"/>
-          </a:p>
-        </p:txBody>
-      </p:sp>
-      <p:pic>
-        <p:nvPicPr>
-          <p:cNvPr id="5" name="Content Placeholder 4">
-            <a:extLst>
-              <a:ext uri="{FF2B5EF4-FFF2-40B4-BE49-F238E27FC236}">
-                <a16:creationId xmlns:a16="http://schemas.microsoft.com/office/drawing/2014/main" id="{B4967302-2D88-0D41-BAF4-ADB35A88E348}"/>
-              </a:ext>
-            </a:extLst>
-          </p:cNvPr>
-          <p:cNvPicPr>
-            <a:picLocks noGrp="1" noChangeAspect="1"/>
-          </p:cNvPicPr>
-          <p:nvPr>
-            <p:ph idx="1"/>
-          </p:nvPr>
-        </p:nvPicPr>
-        <p:blipFill>
-          <a:blip r:embed="rId3"/>
-          <a:stretch>
-            <a:fillRect/>
-          </a:stretch>
-        </p:blipFill>
         <p:spPr>
           <a:xfrm>
-            <a:off x="752512" y="1095193"/>
-            <a:ext cx="10686976" cy="5397682"/>
+            <a:off x="838200" y="366247"/>
+            <a:ext cx="9426497" cy="1325563"/>
           </a:xfrm>
         </p:spPr>
-      </p:pic>
+        <p:txBody>
+          <a:bodyPr>
+            <a:normAutofit fontScale="90000"/>
+          </a:bodyPr>
+          <a:lstStyle/>
+          <a:p>
+            <a:r>
+              <a:rPr lang="en-US" sz="4900" b="1" dirty="0"/>
+              <a:t>We will cover two major uses of </a:t>
+            </a:r>
+            <a:br>
+              <a:rPr lang="en-US" sz="4900" b="1" dirty="0"/>
+            </a:br>
+            <a:r>
+              <a:rPr lang="en-US" sz="4900" b="1" dirty="0"/>
+              <a:t>the SVG Group Element:</a:t>
+            </a:r>
+            <a:br>
+              <a:rPr lang="en-US" dirty="0"/>
+            </a:br>
+            <a:endParaRPr lang="en-US" dirty="0"/>
+          </a:p>
+        </p:txBody>
+      </p:sp>
+      <p:sp>
+        <p:nvSpPr>
+          <p:cNvPr id="3" name="Content Placeholder 2">
+            <a:extLst>
+              <a:ext uri="{FF2B5EF4-FFF2-40B4-BE49-F238E27FC236}">
+                <a16:creationId xmlns:a16="http://schemas.microsoft.com/office/drawing/2014/main" id="{C59BDD78-EECD-AC44-9C69-E449A27F59EB}"/>
+              </a:ext>
+            </a:extLst>
+          </p:cNvPr>
+          <p:cNvSpPr>
+            <a:spLocks noGrp="1"/>
+          </p:cNvSpPr>
+          <p:nvPr>
+            <p:ph idx="1"/>
+          </p:nvPr>
+        </p:nvSpPr>
+        <p:spPr/>
+        <p:txBody>
+          <a:bodyPr/>
+          <a:lstStyle/>
+          <a:p>
+            <a:r>
+              <a:rPr lang="en-US" b="1" dirty="0"/>
+              <a:t>Grouping</a:t>
+            </a:r>
+            <a:r>
+              <a:rPr lang="en-US" dirty="0"/>
+              <a:t> - To group a set of SVG elements that share the same attribute</a:t>
+            </a:r>
+          </a:p>
+          <a:p>
+            <a:endParaRPr lang="en-US" b="1" dirty="0"/>
+          </a:p>
+          <a:p>
+            <a:r>
+              <a:rPr lang="en-US" b="1" dirty="0"/>
+              <a:t>Transforming</a:t>
+            </a:r>
+            <a:r>
+              <a:rPr lang="en-US" dirty="0"/>
+              <a:t> - To define a new coordinate system for a set of SVG elements by applying a transformation to each coordinate specified in this set of SVG elements</a:t>
+            </a:r>
+            <a:br>
+              <a:rPr lang="en-US" dirty="0"/>
+            </a:br>
+            <a:endParaRPr lang="en-US" dirty="0"/>
+          </a:p>
+        </p:txBody>
+      </p:sp>
     </p:spTree>
     <p:extLst>
       <p:ext uri="{BB962C8B-B14F-4D97-AF65-F5344CB8AC3E}">
-        <p14:creationId xmlns:p14="http://schemas.microsoft.com/office/powerpoint/2010/main" val="1871174948"/>
+        <p14:creationId xmlns:p14="http://schemas.microsoft.com/office/powerpoint/2010/main" val="3323492330"/>
       </p:ext>
     </p:extLst>
   </p:cSld>
@@ -6463,7 +6769,7 @@
           <p:cNvPr id="2" name="Title 1">
             <a:extLst>
               <a:ext uri="{FF2B5EF4-FFF2-40B4-BE49-F238E27FC236}">
-                <a16:creationId xmlns:a16="http://schemas.microsoft.com/office/drawing/2014/main" id="{7BEF3C88-98EB-5A48-B28D-BBFC9192A4F4}"/>
+                <a16:creationId xmlns:a16="http://schemas.microsoft.com/office/drawing/2014/main" id="{CCEB676B-9BF3-4E46-8591-5948E0CC437A}"/>
               </a:ext>
             </a:extLst>
           </p:cNvPr>
@@ -6476,97 +6782,49 @@
         </p:nvSpPr>
         <p:spPr>
           <a:xfrm>
-            <a:off x="838200" y="0"/>
-            <a:ext cx="10515600" cy="1325563"/>
+            <a:off x="838200" y="365125"/>
+            <a:ext cx="10515600" cy="2021236"/>
           </a:xfrm>
         </p:spPr>
         <p:txBody>
-          <a:bodyPr/>
+          <a:bodyPr>
+            <a:normAutofit fontScale="90000"/>
+          </a:bodyPr>
           <a:lstStyle/>
           <a:p>
             <a:r>
               <a:rPr lang="en-US" b="1" dirty="0"/>
-              <a:t>Transforming SVG Elements Together</a:t>
-            </a:r>
-            <a:endParaRPr lang="en-US" dirty="0"/>
-          </a:p>
-        </p:txBody>
-      </p:sp>
-      <p:sp>
-        <p:nvSpPr>
-          <p:cNvPr id="3" name="Content Placeholder 2">
-            <a:extLst>
-              <a:ext uri="{FF2B5EF4-FFF2-40B4-BE49-F238E27FC236}">
-                <a16:creationId xmlns:a16="http://schemas.microsoft.com/office/drawing/2014/main" id="{FE7D83D5-88A7-4F45-90F9-56DDFAC796F8}"/>
-              </a:ext>
-            </a:extLst>
-          </p:cNvPr>
-          <p:cNvSpPr>
-            <a:spLocks noGrp="1"/>
-          </p:cNvSpPr>
-          <p:nvPr>
-            <p:ph idx="1"/>
-          </p:nvPr>
-        </p:nvSpPr>
-        <p:spPr>
-          <a:xfrm>
-            <a:off x="838200" y="1091107"/>
-            <a:ext cx="10515600" cy="4351338"/>
-          </a:xfrm>
-        </p:spPr>
-        <p:txBody>
-          <a:bodyPr/>
-          <a:lstStyle/>
-          <a:p>
-            <a:r>
+              <a:t>Grouping SVG Elements Together</a:t>
+            </a:r>
+            <a:br>
               <a:rPr lang="en-US" b="1" dirty="0"/>
-              <a:t>What if</a:t>
-            </a:r>
+            </a:br>
             <a:r>
               <a:rPr lang="en-US" dirty="0"/>
-              <a:t> we decided we wanted to move the circle elements </a:t>
-            </a:r>
-            <a:r>
-              <a:rPr lang="en-US" b="1" i="1" dirty="0"/>
-              <a:t>80</a:t>
-            </a:r>
-            <a:r>
+              <a:t>We start with 4 SVG Basic Shape Elements (2 circles and 2 rectangles):</a:t>
+            </a:r>
+            <a:br>
               <a:rPr lang="en-US" dirty="0"/>
-              <a:t> units to the right?</a:t>
-            </a:r>
-          </a:p>
-          <a:p>
-            <a:r>
-              <a:rPr lang="en-US" dirty="0"/>
-              <a:t>We could add 80 units to the </a:t>
-            </a:r>
-            <a:r>
-              <a:rPr lang="en-US" b="1" dirty="0"/>
-              <a:t>cx</a:t>
-            </a:r>
-            <a:r>
-              <a:rPr lang="en-US" dirty="0"/>
-              <a:t> attribute of each of our circles:</a:t>
-            </a:r>
-          </a:p>
-          <a:p>
+            </a:br>
             <a:endParaRPr lang="en-US" dirty="0"/>
           </a:p>
         </p:txBody>
       </p:sp>
       <p:pic>
         <p:nvPicPr>
-          <p:cNvPr id="5" name="Picture 4">
-            <a:extLst>
-              <a:ext uri="{FF2B5EF4-FFF2-40B4-BE49-F238E27FC236}">
-                <a16:creationId xmlns:a16="http://schemas.microsoft.com/office/drawing/2014/main" id="{5E77D876-BC99-B944-B9EC-AEE422CFDC71}"/>
+          <p:cNvPr id="6" name="Content Placeholder 5">
+            <a:extLst>
+              <a:ext uri="{FF2B5EF4-FFF2-40B4-BE49-F238E27FC236}">
+                <a16:creationId xmlns:a16="http://schemas.microsoft.com/office/drawing/2014/main" id="{5792290B-EAD4-3242-BB15-0A4636B73992}"/>
               </a:ext>
             </a:extLst>
           </p:cNvPr>
           <p:cNvPicPr>
-            <a:picLocks noChangeAspect="1"/>
+            <a:picLocks noGrp="1" noChangeAspect="1"/>
           </p:cNvPicPr>
-          <p:nvPr/>
+          <p:nvPr>
+            <p:ph idx="1"/>
+          </p:nvPr>
         </p:nvPicPr>
         <p:blipFill>
           <a:blip r:embed="rId3"/>
@@ -6576,8 +6834,35 @@
         </p:blipFill>
         <p:spPr>
           <a:xfrm>
-            <a:off x="0" y="2416670"/>
-            <a:ext cx="12192000" cy="4644520"/>
+            <a:off x="1166000" y="2415033"/>
+            <a:ext cx="9509981" cy="4113213"/>
+          </a:xfrm>
+        </p:spPr>
+      </p:pic>
+      <p:pic>
+        <p:nvPicPr>
+          <p:cNvPr id="8" name="Picture 7">
+            <a:extLst>
+              <a:ext uri="{FF2B5EF4-FFF2-40B4-BE49-F238E27FC236}">
+                <a16:creationId xmlns:a16="http://schemas.microsoft.com/office/drawing/2014/main" id="{78BC6EC0-4B7B-3641-B41B-18B1B5D6B198}"/>
+              </a:ext>
+            </a:extLst>
+          </p:cNvPr>
+          <p:cNvPicPr>
+            <a:picLocks noChangeAspect="1"/>
+          </p:cNvPicPr>
+          <p:nvPr/>
+        </p:nvPicPr>
+        <p:blipFill>
+          <a:blip r:embed="rId4"/>
+          <a:stretch>
+            <a:fillRect/>
+          </a:stretch>
+        </p:blipFill>
+        <p:spPr>
+          <a:xfrm>
+            <a:off x="1165999" y="1943492"/>
+            <a:ext cx="9509981" cy="2054972"/>
           </a:xfrm>
           <a:prstGeom prst="rect">
             <a:avLst/>
@@ -6587,7 +6872,7 @@
     </p:spTree>
     <p:extLst>
       <p:ext uri="{BB962C8B-B14F-4D97-AF65-F5344CB8AC3E}">
-        <p14:creationId xmlns:p14="http://schemas.microsoft.com/office/powerpoint/2010/main" val="1660999320"/>
+        <p14:creationId xmlns:p14="http://schemas.microsoft.com/office/powerpoint/2010/main" val="760112722"/>
       </p:ext>
     </p:extLst>
   </p:cSld>
